--- a/figs/resources/PyTherm - landscapeGA figures.pptx
+++ b/figs/resources/PyTherm - landscapeGA figures.pptx
@@ -3621,247 +3621,316 @@
           <a:chExt cx="0" cy="0"/>
         </a:xfrm>
       </p:grpSpPr>
-      <p:pic>
-        <p:nvPicPr>
-          <p:cNvPr id="4" name="Imagem 15"/>
-          <p:cNvPicPr>
-            <a:picLocks noChangeAspect="1" noChangeArrowheads="1"/>
-          </p:cNvPicPr>
+      <p:grpSp>
+        <p:nvGrpSpPr>
+          <p:cNvPr id="15" name="Group 14"/>
+          <p:cNvGrpSpPr/>
           <p:nvPr/>
-        </p:nvPicPr>
-        <p:blipFill>
-          <a:blip r:embed="rId2" cstate="print"/>
-          <a:srcRect/>
-          <a:stretch>
-            <a:fillRect/>
-          </a:stretch>
-        </p:blipFill>
-        <p:spPr bwMode="auto">
+        </p:nvGrpSpPr>
+        <p:grpSpPr>
           <a:xfrm>
-            <a:off x="471750" y="448170"/>
-            <a:ext cx="1080000" cy="385714"/>
+            <a:off x="2544950" y="162556"/>
+            <a:ext cx="2160000" cy="2671657"/>
+            <a:chOff x="2398689" y="162556"/>
+            <a:chExt cx="2160000" cy="2671657"/>
           </a:xfrm>
-          <a:prstGeom prst="rect">
-            <a:avLst/>
-          </a:prstGeom>
-          <a:noFill/>
-          <a:ln w="38100">
-            <a:solidFill>
-              <a:srgbClr val="F3792A"/>
-            </a:solidFill>
-          </a:ln>
-        </p:spPr>
-      </p:pic>
-      <p:pic>
-        <p:nvPicPr>
-          <p:cNvPr id="5" name="Imagem 4"/>
-          <p:cNvPicPr>
-            <a:picLocks noChangeAspect="1"/>
-          </p:cNvPicPr>
+        </p:grpSpPr>
+        <p:pic>
+          <p:nvPicPr>
+            <p:cNvPr id="6" name="Imagem 5"/>
+            <p:cNvPicPr>
+              <a:picLocks noChangeAspect="1"/>
+            </p:cNvPicPr>
+            <p:nvPr/>
+          </p:nvPicPr>
+          <p:blipFill>
+            <a:blip r:embed="rId2"/>
+            <a:stretch>
+              <a:fillRect/>
+            </a:stretch>
+          </p:blipFill>
+          <p:spPr>
+            <a:xfrm>
+              <a:off x="2398689" y="162556"/>
+              <a:ext cx="2160000" cy="1168093"/>
+            </a:xfrm>
+            <a:prstGeom prst="rect">
+              <a:avLst/>
+            </a:prstGeom>
+            <a:ln w="38100">
+              <a:solidFill>
+                <a:srgbClr val="C10000"/>
+              </a:solidFill>
+            </a:ln>
+          </p:spPr>
+        </p:pic>
+        <p:pic>
+          <p:nvPicPr>
+            <p:cNvPr id="11" name="Imagem 5"/>
+            <p:cNvPicPr>
+              <a:picLocks noChangeAspect="1"/>
+            </p:cNvPicPr>
+            <p:nvPr/>
+          </p:nvPicPr>
+          <p:blipFill>
+            <a:blip r:embed="rId3"/>
+            <a:stretch>
+              <a:fillRect/>
+            </a:stretch>
+          </p:blipFill>
+          <p:spPr>
+            <a:xfrm>
+              <a:off x="2398689" y="1457073"/>
+              <a:ext cx="2160000" cy="653792"/>
+            </a:xfrm>
+            <a:prstGeom prst="rect">
+              <a:avLst/>
+            </a:prstGeom>
+            <a:ln w="38100">
+              <a:solidFill>
+                <a:srgbClr val="52B63F"/>
+              </a:solidFill>
+            </a:ln>
+          </p:spPr>
+        </p:pic>
+        <p:pic>
+          <p:nvPicPr>
+            <p:cNvPr id="5" name="Imagem 4"/>
+            <p:cNvPicPr>
+              <a:picLocks noChangeAspect="1"/>
+            </p:cNvPicPr>
+            <p:nvPr/>
+          </p:nvPicPr>
+          <p:blipFill>
+            <a:blip r:embed="rId4"/>
+            <a:stretch>
+              <a:fillRect/>
+            </a:stretch>
+          </p:blipFill>
+          <p:spPr>
+            <a:xfrm>
+              <a:off x="2398689" y="2237289"/>
+              <a:ext cx="2160000" cy="596924"/>
+            </a:xfrm>
+            <a:prstGeom prst="rect">
+              <a:avLst/>
+            </a:prstGeom>
+            <a:ln w="38100">
+              <a:solidFill>
+                <a:srgbClr val="E66581"/>
+              </a:solidFill>
+            </a:ln>
+          </p:spPr>
+        </p:pic>
+      </p:grpSp>
+      <p:grpSp>
+        <p:nvGrpSpPr>
+          <p:cNvPr id="16" name="Group 15"/>
+          <p:cNvGrpSpPr/>
           <p:nvPr/>
-        </p:nvPicPr>
-        <p:blipFill>
-          <a:blip r:embed="rId3"/>
-          <a:stretch>
-            <a:fillRect/>
-          </a:stretch>
-        </p:blipFill>
-        <p:spPr>
+        </p:nvGrpSpPr>
+        <p:grpSpPr>
           <a:xfrm>
-            <a:off x="4281757" y="1187677"/>
-            <a:ext cx="1080000" cy="298462"/>
+            <a:off x="4994863" y="166002"/>
+            <a:ext cx="2160000" cy="2695389"/>
+            <a:chOff x="4947238" y="166002"/>
+            <a:chExt cx="2160000" cy="2695389"/>
           </a:xfrm>
-          <a:prstGeom prst="rect">
-            <a:avLst/>
-          </a:prstGeom>
-          <a:ln w="38100">
-            <a:solidFill>
-              <a:srgbClr val="E66581"/>
-            </a:solidFill>
-          </a:ln>
-        </p:spPr>
-      </p:pic>
-      <p:pic>
-        <p:nvPicPr>
-          <p:cNvPr id="6" name="Imagem 5"/>
-          <p:cNvPicPr>
-            <a:picLocks noChangeAspect="1"/>
-          </p:cNvPicPr>
+        </p:grpSpPr>
+        <p:pic>
+          <p:nvPicPr>
+            <p:cNvPr id="8" name="Imagem 7"/>
+            <p:cNvPicPr>
+              <a:picLocks noChangeAspect="1"/>
+            </p:cNvPicPr>
+            <p:nvPr/>
+          </p:nvPicPr>
+          <p:blipFill>
+            <a:blip r:embed="rId5">
+              <a:extLst>
+                <a:ext uri="{28A0092B-C50C-407E-A947-70E740481C1C}">
+                  <a14:useLocalDpi xmlns:a14="http://schemas.microsoft.com/office/drawing/2010/main" val="0"/>
+                </a:ext>
+              </a:extLst>
+            </a:blip>
+            <a:stretch>
+              <a:fillRect/>
+            </a:stretch>
+          </p:blipFill>
+          <p:spPr>
+            <a:xfrm>
+              <a:off x="4947238" y="166002"/>
+              <a:ext cx="2160000" cy="910201"/>
+            </a:xfrm>
+            <a:prstGeom prst="rect">
+              <a:avLst/>
+            </a:prstGeom>
+            <a:ln w="38100">
+              <a:solidFill>
+                <a:srgbClr val="3D58A3"/>
+              </a:solidFill>
+            </a:ln>
+          </p:spPr>
+        </p:pic>
+        <p:pic>
+          <p:nvPicPr>
+            <p:cNvPr id="9" name="Imagem 8"/>
+            <p:cNvPicPr>
+              <a:picLocks noChangeAspect="1"/>
+            </p:cNvPicPr>
+            <p:nvPr/>
+          </p:nvPicPr>
+          <p:blipFill>
+            <a:blip r:embed="rId6"/>
+            <a:stretch>
+              <a:fillRect/>
+            </a:stretch>
+          </p:blipFill>
+          <p:spPr>
+            <a:xfrm>
+              <a:off x="4947238" y="1275245"/>
+              <a:ext cx="2160000" cy="735824"/>
+            </a:xfrm>
+            <a:prstGeom prst="rect">
+              <a:avLst/>
+            </a:prstGeom>
+            <a:noFill/>
+            <a:ln w="38100">
+              <a:solidFill>
+                <a:srgbClr val="F3792A"/>
+              </a:solidFill>
+            </a:ln>
+          </p:spPr>
+        </p:pic>
+        <p:pic>
+          <p:nvPicPr>
+            <p:cNvPr id="12" name="Imagem 11"/>
+            <p:cNvPicPr>
+              <a:picLocks noChangeAspect="1"/>
+            </p:cNvPicPr>
+            <p:nvPr/>
+          </p:nvPicPr>
+          <p:blipFill>
+            <a:blip r:embed="rId7"/>
+            <a:stretch>
+              <a:fillRect/>
+            </a:stretch>
+          </p:blipFill>
+          <p:spPr>
+            <a:xfrm>
+              <a:off x="4947238" y="2210111"/>
+              <a:ext cx="2160000" cy="651280"/>
+            </a:xfrm>
+            <a:prstGeom prst="rect">
+              <a:avLst/>
+            </a:prstGeom>
+            <a:ln w="38100">
+              <a:solidFill>
+                <a:schemeClr val="tx1"/>
+              </a:solidFill>
+            </a:ln>
+          </p:spPr>
+        </p:pic>
+      </p:grpSp>
+      <p:grpSp>
+        <p:nvGrpSpPr>
+          <p:cNvPr id="14" name="Group 13"/>
+          <p:cNvGrpSpPr/>
           <p:nvPr/>
-        </p:nvPicPr>
-        <p:blipFill>
-          <a:blip r:embed="rId4"/>
-          <a:stretch>
-            <a:fillRect/>
-          </a:stretch>
-        </p:blipFill>
-        <p:spPr>
+        </p:nvGrpSpPr>
+        <p:grpSpPr>
           <a:xfrm>
-            <a:off x="3525599" y="2038800"/>
-            <a:ext cx="1080000" cy="495000"/>
+            <a:off x="95036" y="162556"/>
+            <a:ext cx="2160000" cy="2505757"/>
+            <a:chOff x="47411" y="162556"/>
+            <a:chExt cx="2160000" cy="2505757"/>
           </a:xfrm>
-          <a:prstGeom prst="rect">
-            <a:avLst/>
-          </a:prstGeom>
-          <a:ln w="38100">
-            <a:solidFill>
-              <a:srgbClr val="C10000"/>
-            </a:solidFill>
-          </a:ln>
-        </p:spPr>
-      </p:pic>
-      <p:pic>
-        <p:nvPicPr>
-          <p:cNvPr id="7" name="Imagem 6"/>
-          <p:cNvPicPr>
-            <a:picLocks noChangeAspect="1"/>
-          </p:cNvPicPr>
-          <p:nvPr/>
-        </p:nvPicPr>
-        <p:blipFill>
-          <a:blip r:embed="rId5"/>
-          <a:stretch>
-            <a:fillRect/>
-          </a:stretch>
-        </p:blipFill>
-        <p:spPr>
-          <a:xfrm>
-            <a:off x="1742519" y="1410579"/>
-            <a:ext cx="1080000" cy="380870"/>
-          </a:xfrm>
-          <a:prstGeom prst="rect">
-            <a:avLst/>
-          </a:prstGeom>
-          <a:ln w="38100">
-            <a:solidFill>
-              <a:schemeClr val="bg1"/>
-            </a:solidFill>
-          </a:ln>
-        </p:spPr>
-      </p:pic>
-      <p:pic>
-        <p:nvPicPr>
-          <p:cNvPr id="8" name="Imagem 7"/>
-          <p:cNvPicPr>
-            <a:picLocks noChangeAspect="1"/>
-          </p:cNvPicPr>
-          <p:nvPr/>
-        </p:nvPicPr>
-        <p:blipFill>
-          <a:blip r:embed="rId6">
-            <a:extLst>
-              <a:ext uri="{28A0092B-C50C-407E-A947-70E740481C1C}">
-                <a14:useLocalDpi xmlns:a14="http://schemas.microsoft.com/office/drawing/2010/main" val="0"/>
-              </a:ext>
-            </a:extLst>
-          </a:blip>
-          <a:stretch>
-            <a:fillRect/>
-          </a:stretch>
-        </p:blipFill>
-        <p:spPr>
-          <a:xfrm>
-            <a:off x="5702979" y="2222528"/>
-            <a:ext cx="1080000" cy="385714"/>
-          </a:xfrm>
-          <a:prstGeom prst="rect">
-            <a:avLst/>
-          </a:prstGeom>
-          <a:ln w="38100">
-            <a:solidFill>
-              <a:srgbClr val="3D58A3"/>
-            </a:solidFill>
-          </a:ln>
-        </p:spPr>
-      </p:pic>
-      <p:pic>
-        <p:nvPicPr>
-          <p:cNvPr id="9" name="Imagem 8"/>
-          <p:cNvPicPr>
-            <a:picLocks noChangeAspect="1"/>
-          </p:cNvPicPr>
-          <p:nvPr/>
-        </p:nvPicPr>
-        <p:blipFill>
-          <a:blip r:embed="rId7"/>
-          <a:stretch>
-            <a:fillRect/>
-          </a:stretch>
-        </p:blipFill>
-        <p:spPr>
-          <a:xfrm>
-            <a:off x="2628841" y="565566"/>
-            <a:ext cx="1080000" cy="367912"/>
-          </a:xfrm>
-          <a:prstGeom prst="rect">
-            <a:avLst/>
-          </a:prstGeom>
-          <a:noFill/>
-          <a:ln w="38100">
-            <a:solidFill>
-              <a:srgbClr val="F3792A"/>
-            </a:solidFill>
-          </a:ln>
-        </p:spPr>
-      </p:pic>
-      <p:pic>
-        <p:nvPicPr>
-          <p:cNvPr id="11" name="Imagem 5"/>
-          <p:cNvPicPr>
-            <a:picLocks noChangeAspect="1"/>
-          </p:cNvPicPr>
-          <p:nvPr/>
-        </p:nvPicPr>
-        <p:blipFill>
-          <a:blip r:embed="rId8"/>
-          <a:stretch>
-            <a:fillRect/>
-          </a:stretch>
-        </p:blipFill>
-        <p:spPr>
-          <a:xfrm>
-            <a:off x="471750" y="2286300"/>
-            <a:ext cx="1080000" cy="326896"/>
-          </a:xfrm>
-          <a:prstGeom prst="rect">
-            <a:avLst/>
-          </a:prstGeom>
-          <a:ln w="38100">
-            <a:solidFill>
-              <a:srgbClr val="52B63F"/>
-            </a:solidFill>
-          </a:ln>
-        </p:spPr>
-      </p:pic>
-      <p:pic>
-        <p:nvPicPr>
-          <p:cNvPr id="12" name="Imagem 11"/>
-          <p:cNvPicPr>
-            <a:picLocks noChangeAspect="1"/>
-          </p:cNvPicPr>
-          <p:nvPr/>
-        </p:nvPicPr>
-        <p:blipFill>
-          <a:blip r:embed="rId9"/>
-          <a:stretch>
-            <a:fillRect/>
-          </a:stretch>
-        </p:blipFill>
-        <p:spPr>
-          <a:xfrm>
-            <a:off x="5702979" y="358761"/>
-            <a:ext cx="1080000" cy="325640"/>
-          </a:xfrm>
-          <a:prstGeom prst="rect">
-            <a:avLst/>
-          </a:prstGeom>
-          <a:ln w="38100">
-            <a:solidFill>
-              <a:schemeClr val="tx1"/>
-            </a:solidFill>
-          </a:ln>
-        </p:spPr>
-      </p:pic>
+        </p:grpSpPr>
+        <p:pic>
+          <p:nvPicPr>
+            <p:cNvPr id="4" name="Imagem 15"/>
+            <p:cNvPicPr>
+              <a:picLocks noChangeAspect="1" noChangeArrowheads="1"/>
+            </p:cNvPicPr>
+            <p:nvPr/>
+          </p:nvPicPr>
+          <p:blipFill>
+            <a:blip r:embed="rId8" cstate="print"/>
+            <a:srcRect/>
+            <a:stretch>
+              <a:fillRect/>
+            </a:stretch>
+          </p:blipFill>
+          <p:spPr bwMode="auto">
+            <a:xfrm>
+              <a:off x="47411" y="162556"/>
+              <a:ext cx="2160000" cy="771428"/>
+            </a:xfrm>
+            <a:prstGeom prst="rect">
+              <a:avLst/>
+            </a:prstGeom>
+            <a:noFill/>
+            <a:ln w="38100">
+              <a:solidFill>
+                <a:srgbClr val="F3792A"/>
+              </a:solidFill>
+            </a:ln>
+          </p:spPr>
+        </p:pic>
+        <p:pic>
+          <p:nvPicPr>
+            <p:cNvPr id="7" name="Imagem 6"/>
+            <p:cNvPicPr>
+              <a:picLocks noChangeAspect="1"/>
+            </p:cNvPicPr>
+            <p:nvPr/>
+          </p:nvPicPr>
+          <p:blipFill>
+            <a:blip r:embed="rId9"/>
+            <a:stretch>
+              <a:fillRect/>
+            </a:stretch>
+          </p:blipFill>
+          <p:spPr>
+            <a:xfrm>
+              <a:off x="47411" y="1060278"/>
+              <a:ext cx="2160000" cy="761740"/>
+            </a:xfrm>
+            <a:prstGeom prst="rect">
+              <a:avLst/>
+            </a:prstGeom>
+            <a:ln w="38100">
+              <a:solidFill>
+                <a:schemeClr val="bg1"/>
+              </a:solidFill>
+            </a:ln>
+          </p:spPr>
+        </p:pic>
+        <p:pic>
+          <p:nvPicPr>
+            <p:cNvPr id="13" name="Picture 12"/>
+            <p:cNvPicPr>
+              <a:picLocks noChangeAspect="1"/>
+            </p:cNvPicPr>
+            <p:nvPr/>
+          </p:nvPicPr>
+          <p:blipFill>
+            <a:blip r:embed="rId10"/>
+            <a:stretch>
+              <a:fillRect/>
+            </a:stretch>
+          </p:blipFill>
+          <p:spPr>
+            <a:xfrm>
+              <a:off x="47411" y="1948313"/>
+              <a:ext cx="2160000" cy="720000"/>
+            </a:xfrm>
+            <a:prstGeom prst="rect">
+              <a:avLst/>
+            </a:prstGeom>
+          </p:spPr>
+        </p:pic>
+      </p:grpSp>
     </p:spTree>
     <p:extLst>
       <p:ext uri="{BB962C8B-B14F-4D97-AF65-F5344CB8AC3E}">
